--- a/spring13/slides13/prob-simplify-tree.pptx
+++ b/spring13/slides13/prob-simplify-tree.pptx
@@ -3078,22 +3078,7 @@
                 <a:uFillTx/>
                 <a:latin typeface="Comic Sans MS" pitchFamily="66" charset="0"/>
               </a:rPr>
-              <a:t>Albert R Meyer,                 </a:t>
-            </a:r>
-            <a:r>
-              <a:rPr kumimoji="0" lang="en-US" sz="1200" b="0" i="0" u="none" strike="noStrike" kern="1200" cap="none" spc="0" normalizeH="0" baseline="0" noProof="0" dirty="0" smtClean="0">
-                <a:ln>
-                  <a:noFill/>
-                </a:ln>
-                <a:solidFill>
-                  <a:schemeClr val="tx1"/>
-                </a:solidFill>
-                <a:effectLst/>
-                <a:uLnTx/>
-                <a:uFillTx/>
-                <a:latin typeface="Comic Sans MS" pitchFamily="66" charset="0"/>
-              </a:rPr>
-              <a:t>May 1, 2013</a:t>
+              <a:t>Albert R Meyer,                 May 1, 2013</a:t>
             </a:r>
             <a:endParaRPr kumimoji="0" lang="en-US" sz="1200" b="0" i="0" u="none" strike="noStrike" kern="1200" cap="none" spc="0" normalizeH="0" baseline="0" noProof="0" dirty="0">
               <a:ln>
@@ -3577,13 +3562,7 @@
               <a:rPr lang="en-US" sz="6600" dirty="0" smtClean="0">
                 <a:latin typeface="Comic Sans MS" pitchFamily="-128" charset="0"/>
               </a:rPr>
-              <a:t>A </a:t>
-            </a:r>
-            <a:r>
-              <a:rPr lang="en-US" sz="6600" dirty="0" smtClean="0">
-                <a:latin typeface="Comic Sans MS" pitchFamily="-128" charset="0"/>
-              </a:rPr>
-              <a:t>Simple</a:t>
+              <a:t>A Simple</a:t>
             </a:r>
           </a:p>
           <a:p>
@@ -3597,9 +3576,6 @@
               </a:rPr>
               <a:t>Monty Hall Tree</a:t>
             </a:r>
-            <a:endParaRPr lang="en-US" sz="6600" dirty="0" smtClean="0">
-              <a:latin typeface="Comic Sans MS" pitchFamily="-128" charset="0"/>
-            </a:endParaRPr>
           </a:p>
         </p:txBody>
       </p:sp>
@@ -8608,7 +8584,7 @@
             <a:graphicData uri="http://schemas.openxmlformats.org/presentationml/2006/ole">
               <mc:AlternateContent xmlns:mc="http://schemas.openxmlformats.org/markup-compatibility/2006">
                 <mc:Choice xmlns:v="urn:schemas-microsoft-com:vml" Requires="v">
-                  <p:oleObj spid="_x0000_s1046" name="Equation" r:id="rId4" imgW="203200" imgH="330200" progId="Equation.DSMT4">
+                  <p:oleObj spid="_x0000_s1053" name="Equation" r:id="rId4" imgW="203200" imgH="330200" progId="Equation.DSMT4">
                     <p:embed/>
                   </p:oleObj>
                 </mc:Choice>
@@ -8665,7 +8641,7 @@
             <a:graphicData uri="http://schemas.openxmlformats.org/presentationml/2006/ole">
               <mc:AlternateContent xmlns:mc="http://schemas.openxmlformats.org/markup-compatibility/2006">
                 <mc:Choice xmlns:v="urn:schemas-microsoft-com:vml" Requires="v">
-                  <p:oleObj spid="_x0000_s1047" name="Equation" r:id="rId6" imgW="203200" imgH="330200" progId="Equation.DSMT4">
+                  <p:oleObj spid="_x0000_s1054" name="Equation" r:id="rId6" imgW="203200" imgH="330200" progId="Equation.DSMT4">
                     <p:embed/>
                   </p:oleObj>
                 </mc:Choice>
@@ -8722,7 +8698,7 @@
             <a:graphicData uri="http://schemas.openxmlformats.org/presentationml/2006/ole">
               <mc:AlternateContent xmlns:mc="http://schemas.openxmlformats.org/markup-compatibility/2006">
                 <mc:Choice xmlns:v="urn:schemas-microsoft-com:vml" Requires="v">
-                  <p:oleObj spid="_x0000_s1048" name="Equation" r:id="rId7" imgW="203200" imgH="330200" progId="Equation.DSMT4">
+                  <p:oleObj spid="_x0000_s1055" name="Equation" r:id="rId7" imgW="203200" imgH="330200" progId="Equation.DSMT4">
                     <p:embed/>
                   </p:oleObj>
                 </mc:Choice>
@@ -8768,13 +8744,13 @@
   <p:clrMapOvr>
     <a:masterClrMapping/>
   </p:clrMapOvr>
-  <mc:AlternateContent xmlns:mc="http://schemas.openxmlformats.org/markup-compatibility/2006">
-    <mc:Choice xmlns:p14="http://schemas.microsoft.com/office/powerpoint/2010/main" Requires="p14">
+  <mc:AlternateContent xmlns:mc="http://schemas.openxmlformats.org/markup-compatibility/2006" xmlns:p14="http://schemas.microsoft.com/office/powerpoint/2010/main">
+    <mc:Choice Requires="p14">
       <p:transition spd="slow" p14:dur="1200" advClick="0">
         <p:fade thruBlk="1"/>
       </p:transition>
     </mc:Choice>
-    <mc:Fallback>
+    <mc:Fallback xmlns="">
       <p:transition xmlns:p14="http://schemas.microsoft.com/office/powerpoint/2010/main" spd="slow" advClick="0">
         <p:fade thruBlk="1"/>
       </p:transition>
@@ -8914,7 +8890,7 @@
                                   <p:childTnLst>
                                     <p:animEffect transition="out" filter="fade">
                                       <p:cBhvr>
-                                        <p:cTn id="16" dur="500"/>
+                                        <p:cTn id="16" dur="1000"/>
                                         <p:tgtEl>
                                           <p:spTgt spid="10"/>
                                         </p:tgtEl>
@@ -8924,7 +8900,7 @@
                                       <p:cBhvr>
                                         <p:cTn id="17" dur="1" fill="hold">
                                           <p:stCondLst>
-                                            <p:cond delay="499"/>
+                                            <p:cond delay="999"/>
                                           </p:stCondLst>
                                         </p:cTn>
                                         <p:tgtEl>
@@ -8941,24 +8917,15 @@
                                   </p:childTnLst>
                                 </p:cTn>
                               </p:par>
-                            </p:childTnLst>
-                          </p:cTn>
-                        </p:par>
-                        <p:par>
-                          <p:cTn id="18" fill="hold">
-                            <p:stCondLst>
-                              <p:cond delay="500"/>
-                            </p:stCondLst>
-                            <p:childTnLst>
                               <p:par>
-                                <p:cTn id="19" presetID="10" presetClass="exit" presetSubtype="0" fill="hold" nodeType="afterEffect">
+                                <p:cTn id="18" presetID="10" presetClass="exit" presetSubtype="0" fill="hold" nodeType="withEffect">
                                   <p:stCondLst>
                                     <p:cond delay="0"/>
                                   </p:stCondLst>
                                   <p:childTnLst>
                                     <p:animEffect transition="out" filter="fade">
                                       <p:cBhvr>
-                                        <p:cTn id="20" dur="1000"/>
+                                        <p:cTn id="19" dur="1000"/>
                                         <p:tgtEl>
                                           <p:spTgt spid="20"/>
                                         </p:tgtEl>
@@ -8966,7 +8933,7 @@
                                     </p:animEffect>
                                     <p:set>
                                       <p:cBhvr>
-                                        <p:cTn id="21" dur="1" fill="hold">
+                                        <p:cTn id="20" dur="1" fill="hold">
                                           <p:stCondLst>
                                             <p:cond delay="999"/>
                                           </p:stCondLst>
@@ -8986,14 +8953,14 @@
                                 </p:cTn>
                               </p:par>
                               <p:par>
-                                <p:cTn id="22" presetID="10" presetClass="exit" presetSubtype="0" fill="hold" nodeType="withEffect">
+                                <p:cTn id="21" presetID="10" presetClass="exit" presetSubtype="0" fill="hold" nodeType="withEffect">
                                   <p:stCondLst>
                                     <p:cond delay="0"/>
                                   </p:stCondLst>
                                   <p:childTnLst>
                                     <p:animEffect transition="out" filter="fade">
                                       <p:cBhvr>
-                                        <p:cTn id="23" dur="1000"/>
+                                        <p:cTn id="22" dur="1000"/>
                                         <p:tgtEl>
                                           <p:spTgt spid="14"/>
                                         </p:tgtEl>
@@ -9001,7 +8968,7 @@
                                     </p:animEffect>
                                     <p:set>
                                       <p:cBhvr>
-                                        <p:cTn id="24" dur="1" fill="hold">
+                                        <p:cTn id="23" dur="1" fill="hold">
                                           <p:stCondLst>
                                             <p:cond delay="999"/>
                                           </p:stCondLst>
@@ -9024,20 +8991,20 @@
                           </p:cTn>
                         </p:par>
                         <p:par>
-                          <p:cTn id="25" fill="hold">
+                          <p:cTn id="24" fill="hold">
                             <p:stCondLst>
-                              <p:cond delay="1500"/>
+                              <p:cond delay="1000"/>
                             </p:stCondLst>
                             <p:childTnLst>
                               <p:par>
-                                <p:cTn id="26" presetID="10" presetClass="exit" presetSubtype="0" fill="hold" grpId="1" nodeType="afterEffect">
+                                <p:cTn id="25" presetID="10" presetClass="exit" presetSubtype="0" fill="hold" grpId="1" nodeType="afterEffect">
                                   <p:stCondLst>
                                     <p:cond delay="0"/>
                                   </p:stCondLst>
                                   <p:childTnLst>
                                     <p:animEffect transition="out" filter="fade">
                                       <p:cBhvr>
-                                        <p:cTn id="27" dur="500"/>
+                                        <p:cTn id="26" dur="500"/>
                                         <p:tgtEl>
                                           <p:spTgt spid="18"/>
                                         </p:tgtEl>
@@ -9045,7 +9012,7 @@
                                     </p:animEffect>
                                     <p:set>
                                       <p:cBhvr>
-                                        <p:cTn id="28" dur="1" fill="hold">
+                                        <p:cTn id="27" dur="1" fill="hold">
                                           <p:stCondLst>
                                             <p:cond delay="499"/>
                                           </p:stCondLst>
@@ -9071,26 +9038,26 @@
                     </p:cTn>
                   </p:par>
                   <p:par>
-                    <p:cTn id="29" fill="hold">
+                    <p:cTn id="28" fill="hold">
                       <p:stCondLst>
                         <p:cond delay="indefinite"/>
                       </p:stCondLst>
                       <p:childTnLst>
                         <p:par>
-                          <p:cTn id="30" fill="hold">
+                          <p:cTn id="29" fill="hold">
                             <p:stCondLst>
                               <p:cond delay="0"/>
                             </p:stCondLst>
                             <p:childTnLst>
                               <p:par>
-                                <p:cTn id="31" presetID="10" presetClass="exit" presetSubtype="0" fill="hold" nodeType="clickEffect">
+                                <p:cTn id="30" presetID="10" presetClass="exit" presetSubtype="0" fill="hold" nodeType="clickEffect">
                                   <p:stCondLst>
                                     <p:cond delay="0"/>
                                   </p:stCondLst>
                                   <p:childTnLst>
                                     <p:animEffect transition="out" filter="fade">
                                       <p:cBhvr>
-                                        <p:cTn id="32" dur="500"/>
+                                        <p:cTn id="31" dur="500"/>
                                         <p:tgtEl>
                                           <p:spTgt spid="17"/>
                                         </p:tgtEl>
@@ -9098,7 +9065,7 @@
                                     </p:animEffect>
                                     <p:set>
                                       <p:cBhvr>
-                                        <p:cTn id="33" dur="1" fill="hold">
+                                        <p:cTn id="32" dur="1" fill="hold">
                                           <p:stCondLst>
                                             <p:cond delay="499"/>
                                           </p:stCondLst>
@@ -10389,7 +10356,7 @@
         <p:spPr>
           <a:xfrm>
             <a:off x="4305482" y="1828800"/>
-            <a:ext cx="1333318" cy="400110"/>
+            <a:ext cx="920419" cy="400110"/>
           </a:xfrm>
           <a:prstGeom prst="rect">
             <a:avLst/>
@@ -10404,7 +10371,11 @@
           <a:p>
             <a:r>
               <a:rPr lang="en-US" sz="2000" dirty="0" smtClean="0"/>
-              <a:t>no prize 1</a:t>
+              <a:t>door </a:t>
+            </a:r>
+            <a:r>
+              <a:rPr lang="en-US" sz="2000" dirty="0" smtClean="0"/>
+              <a:t>1</a:t>
             </a:r>
             <a:endParaRPr lang="en-US" sz="2000" dirty="0"/>
           </a:p>
@@ -10419,7 +10390,7 @@
         <p:spPr>
           <a:xfrm>
             <a:off x="4264405" y="3505200"/>
-            <a:ext cx="1374395" cy="400110"/>
+            <a:ext cx="961496" cy="400110"/>
           </a:xfrm>
           <a:prstGeom prst="rect">
             <a:avLst/>
@@ -10434,7 +10405,7 @@
           <a:p>
             <a:r>
               <a:rPr lang="en-US" sz="2000" dirty="0" smtClean="0"/>
-              <a:t>no prize 2</a:t>
+              <a:t>door 3</a:t>
             </a:r>
             <a:endParaRPr lang="en-US" sz="2000" dirty="0"/>
           </a:p>
@@ -10449,7 +10420,7 @@
         <p:spPr>
           <a:xfrm>
             <a:off x="4419600" y="762000"/>
-            <a:ext cx="1374395" cy="400110"/>
+            <a:ext cx="961496" cy="400110"/>
           </a:xfrm>
           <a:prstGeom prst="rect">
             <a:avLst/>
@@ -10464,7 +10435,7 @@
           <a:p>
             <a:r>
               <a:rPr lang="en-US" sz="2000" dirty="0" smtClean="0"/>
-              <a:t>no prize 2</a:t>
+              <a:t>door 3</a:t>
             </a:r>
             <a:endParaRPr lang="en-US" sz="2000" dirty="0"/>
           </a:p>
@@ -10479,7 +10450,7 @@
         <p:spPr>
           <a:xfrm>
             <a:off x="4191000" y="4495800"/>
-            <a:ext cx="1374395" cy="400110"/>
+            <a:ext cx="920419" cy="400110"/>
           </a:xfrm>
           <a:prstGeom prst="rect">
             <a:avLst/>
@@ -10494,7 +10465,11 @@
           <a:p>
             <a:r>
               <a:rPr lang="en-US" sz="2000" dirty="0" smtClean="0"/>
-              <a:t>no prize 1</a:t>
+              <a:t>door </a:t>
+            </a:r>
+            <a:r>
+              <a:rPr lang="en-US" sz="2000" dirty="0" smtClean="0"/>
+              <a:t>1</a:t>
             </a:r>
             <a:endParaRPr lang="en-US" sz="2000" dirty="0"/>
           </a:p>
@@ -10579,6 +10554,56 @@
                 <a:cs typeface="Times New Roman" pitchFamily="-128" charset="0"/>
               </a:rPr>
               <a:t>1</a:t>
+            </a:r>
+            <a:endParaRPr lang="en-US" sz="2400" dirty="0">
+              <a:latin typeface="Comic Sans MS" pitchFamily="-128" charset="0"/>
+            </a:endParaRPr>
+          </a:p>
+        </p:txBody>
+      </p:sp>
+      <p:sp>
+        <p:nvSpPr>
+          <p:cNvPr id="39" name="Text Box 28"/>
+          <p:cNvSpPr txBox="1">
+            <a:spLocks noChangeArrowheads="1"/>
+          </p:cNvSpPr>
+          <p:nvPr/>
+        </p:nvSpPr>
+        <p:spPr bwMode="auto">
+          <a:xfrm>
+            <a:off x="228600" y="2362200"/>
+            <a:ext cx="1338978" cy="830997"/>
+          </a:xfrm>
+          <a:prstGeom prst="rect">
+            <a:avLst/>
+          </a:prstGeom>
+          <a:noFill/>
+          <a:ln w="9525">
+            <a:noFill/>
+            <a:miter lim="800000"/>
+            <a:headEnd/>
+            <a:tailEnd/>
+          </a:ln>
+        </p:spPr>
+        <p:txBody>
+          <a:bodyPr wrap="none">
+            <a:spAutoFit/>
+          </a:bodyPr>
+          <a:lstStyle/>
+          <a:p>
+            <a:r>
+              <a:rPr lang="en-US" sz="2400" dirty="0" smtClean="0">
+                <a:latin typeface="Comic Sans MS" pitchFamily="-128" charset="0"/>
+              </a:rPr>
+              <a:t>Prize at</a:t>
+            </a:r>
+          </a:p>
+          <a:p>
+            <a:r>
+              <a:rPr lang="en-US" sz="2400" dirty="0" smtClean="0">
+                <a:latin typeface="Comic Sans MS" pitchFamily="-128" charset="0"/>
+              </a:rPr>
+              <a:t>Door 2</a:t>
             </a:r>
             <a:endParaRPr lang="en-US" sz="2400" dirty="0">
               <a:latin typeface="Comic Sans MS" pitchFamily="-128" charset="0"/>
@@ -10596,13 +10621,13 @@
   <p:clrMapOvr>
     <a:masterClrMapping/>
   </p:clrMapOvr>
-  <mc:AlternateContent xmlns:mc="http://schemas.openxmlformats.org/markup-compatibility/2006">
-    <mc:Choice xmlns:p14="http://schemas.microsoft.com/office/powerpoint/2010/main" Requires="p14">
+  <mc:AlternateContent xmlns:mc="http://schemas.openxmlformats.org/markup-compatibility/2006" xmlns:p14="http://schemas.microsoft.com/office/powerpoint/2010/main">
+    <mc:Choice Requires="p14">
       <p:transition spd="slow" p14:dur="1600" advClick="0">
         <p:fade/>
       </p:transition>
     </mc:Choice>
-    <mc:Fallback>
+    <mc:Fallback xmlns="">
       <p:transition xmlns:p14="http://schemas.microsoft.com/office/powerpoint/2010/main" spd="slow" advClick="0">
         <p:fade/>
       </p:transition>
@@ -12062,13 +12087,13 @@
   <p:clrMapOvr>
     <a:masterClrMapping/>
   </p:clrMapOvr>
-  <mc:AlternateContent xmlns:mc="http://schemas.openxmlformats.org/markup-compatibility/2006">
-    <mc:Choice xmlns:p14="http://schemas.microsoft.com/office/powerpoint/2010/main" Requires="p14">
+  <mc:AlternateContent xmlns:mc="http://schemas.openxmlformats.org/markup-compatibility/2006" xmlns:p14="http://schemas.microsoft.com/office/powerpoint/2010/main">
+    <mc:Choice Requires="p14">
       <p:transition spd="med" p14:dur="600" advClick="0">
         <p:fade/>
       </p:transition>
     </mc:Choice>
-    <mc:Fallback>
+    <mc:Fallback xmlns="">
       <p:transition xmlns:p14="http://schemas.microsoft.com/office/powerpoint/2010/main" spd="med" advClick="0">
         <p:fade/>
       </p:transition>
@@ -13248,13 +13273,13 @@
   <p:clrMapOvr>
     <a:masterClrMapping/>
   </p:clrMapOvr>
-  <mc:AlternateContent xmlns:mc="http://schemas.openxmlformats.org/markup-compatibility/2006">
-    <mc:Choice xmlns:p14="http://schemas.microsoft.com/office/powerpoint/2010/main" Requires="p14">
+  <mc:AlternateContent xmlns:mc="http://schemas.openxmlformats.org/markup-compatibility/2006" xmlns:p14="http://schemas.microsoft.com/office/powerpoint/2010/main">
+    <mc:Choice Requires="p14">
       <p:transition spd="med" p14:dur="600" advClick="0">
         <p:fade/>
       </p:transition>
     </mc:Choice>
-    <mc:Fallback>
+    <mc:Fallback xmlns="">
       <p:transition xmlns:p14="http://schemas.microsoft.com/office/powerpoint/2010/main" spd="med" advClick="0">
         <p:fade/>
       </p:transition>
@@ -14065,13 +14090,13 @@
   <p:clrMapOvr>
     <a:masterClrMapping/>
   </p:clrMapOvr>
-  <mc:AlternateContent xmlns:mc="http://schemas.openxmlformats.org/markup-compatibility/2006">
-    <mc:Choice xmlns:p14="http://schemas.microsoft.com/office/powerpoint/2010/main" Requires="p14">
+  <mc:AlternateContent xmlns:mc="http://schemas.openxmlformats.org/markup-compatibility/2006" xmlns:p14="http://schemas.microsoft.com/office/powerpoint/2010/main">
+    <mc:Choice Requires="p14">
       <p:transition spd="med" p14:dur="600" advClick="0">
         <p:fade/>
       </p:transition>
     </mc:Choice>
-    <mc:Fallback>
+    <mc:Fallback xmlns="">
       <p:transition xmlns:p14="http://schemas.microsoft.com/office/powerpoint/2010/main" spd="med" advClick="0">
         <p:fade/>
       </p:transition>
@@ -15446,13 +15471,7 @@
               <a:rPr lang="en-US" sz="4100" b="1" dirty="0" smtClean="0">
                 <a:latin typeface="Comic Sans MS" pitchFamily="-128" charset="0"/>
               </a:rPr>
-              <a:t>imple </a:t>
-            </a:r>
-            <a:r>
-              <a:rPr lang="en-US" sz="4100" b="1" dirty="0" smtClean="0">
-                <a:latin typeface="Comic Sans MS" pitchFamily="-128" charset="0"/>
-              </a:rPr>
-              <a:t>Tree</a:t>
+              <a:t>imple Tree</a:t>
             </a:r>
             <a:endParaRPr lang="en-US" sz="4100" b="1" dirty="0"/>
           </a:p>
@@ -15562,7 +15581,7 @@
           <a:graphicData uri="http://schemas.openxmlformats.org/presentationml/2006/ole">
             <mc:AlternateContent xmlns:mc="http://schemas.openxmlformats.org/markup-compatibility/2006">
               <mc:Choice xmlns:v="urn:schemas-microsoft-com:vml" Requires="v">
-                <p:oleObj spid="_x0000_s309254" name="Equation" r:id="rId4" imgW="609600" imgH="1079500" progId="Equation.DSMT4">
+                <p:oleObj spid="_x0000_s309257" name="Equation" r:id="rId4" imgW="609600" imgH="1079500" progId="Equation.DSMT4">
                   <p:embed/>
                 </p:oleObj>
               </mc:Choice>
@@ -15612,13 +15631,13 @@
   <p:clrMapOvr>
     <a:masterClrMapping/>
   </p:clrMapOvr>
-  <mc:AlternateContent xmlns:mc="http://schemas.openxmlformats.org/markup-compatibility/2006">
-    <mc:Choice xmlns:p14="http://schemas.microsoft.com/office/powerpoint/2010/main" Requires="p14">
+  <mc:AlternateContent xmlns:mc="http://schemas.openxmlformats.org/markup-compatibility/2006" xmlns:p14="http://schemas.microsoft.com/office/powerpoint/2010/main">
+    <mc:Choice Requires="p14">
       <p:transition spd="slow" p14:dur="1200" advClick="0">
         <p:fade/>
       </p:transition>
     </mc:Choice>
-    <mc:Fallback>
+    <mc:Fallback xmlns="">
       <p:transition xmlns:p14="http://schemas.microsoft.com/office/powerpoint/2010/main" spd="slow" advClick="0">
         <p:fade/>
       </p:transition>
@@ -16382,7 +16401,7 @@
           <a:graphicData uri="http://schemas.openxmlformats.org/presentationml/2006/ole">
             <mc:AlternateContent xmlns:mc="http://schemas.openxmlformats.org/markup-compatibility/2006">
               <mc:Choice xmlns:v="urn:schemas-microsoft-com:vml" Requires="v">
-                <p:oleObj spid="_x0000_s308313" name="Equation" r:id="rId4" imgW="291960" imgH="939600" progId="Equation.DSMT4">
+                <p:oleObj spid="_x0000_s308320" name="Equation" r:id="rId4" imgW="291960" imgH="939600" progId="Equation.DSMT4">
                   <p:embed/>
                 </p:oleObj>
               </mc:Choice>
@@ -16452,7 +16471,7 @@
           <a:graphicData uri="http://schemas.openxmlformats.org/presentationml/2006/ole">
             <mc:AlternateContent xmlns:mc="http://schemas.openxmlformats.org/markup-compatibility/2006">
               <mc:Choice xmlns:v="urn:schemas-microsoft-com:vml" Requires="v">
-                <p:oleObj spid="_x0000_s308314" name="Equation" r:id="rId6" imgW="291960" imgH="939600" progId="Equation.DSMT4">
+                <p:oleObj spid="_x0000_s308321" name="Equation" r:id="rId6" imgW="291960" imgH="939600" progId="Equation.DSMT4">
                   <p:embed/>
                 </p:oleObj>
               </mc:Choice>
@@ -16707,7 +16726,7 @@
             <a:graphicData uri="http://schemas.openxmlformats.org/presentationml/2006/ole">
               <mc:AlternateContent xmlns:mc="http://schemas.openxmlformats.org/markup-compatibility/2006">
                 <mc:Choice xmlns:v="urn:schemas-microsoft-com:vml" Requires="v">
-                  <p:oleObj spid="_x0000_s308315" name="Equation" r:id="rId8" imgW="609480" imgH="939600" progId="Equation.DSMT4">
+                  <p:oleObj spid="_x0000_s308322" name="Equation" r:id="rId8" imgW="609480" imgH="939600" progId="Equation.DSMT4">
                     <p:embed/>
                   </p:oleObj>
                 </mc:Choice>

--- a/spring13/slides13/prob-simplify-tree.pptx
+++ b/spring13/slides13/prob-simplify-tree.pptx
@@ -8584,7 +8584,7 @@
             <a:graphicData uri="http://schemas.openxmlformats.org/presentationml/2006/ole">
               <mc:AlternateContent xmlns:mc="http://schemas.openxmlformats.org/markup-compatibility/2006">
                 <mc:Choice xmlns:v="urn:schemas-microsoft-com:vml" Requires="v">
-                  <p:oleObj spid="_x0000_s1053" name="Equation" r:id="rId4" imgW="203200" imgH="330200" progId="Equation.DSMT4">
+                  <p:oleObj spid="_x0000_s1057" name="Equation" r:id="rId4" imgW="203200" imgH="330200" progId="Equation.DSMT4">
                     <p:embed/>
                   </p:oleObj>
                 </mc:Choice>
@@ -8641,7 +8641,7 @@
             <a:graphicData uri="http://schemas.openxmlformats.org/presentationml/2006/ole">
               <mc:AlternateContent xmlns:mc="http://schemas.openxmlformats.org/markup-compatibility/2006">
                 <mc:Choice xmlns:v="urn:schemas-microsoft-com:vml" Requires="v">
-                  <p:oleObj spid="_x0000_s1054" name="Equation" r:id="rId6" imgW="203200" imgH="330200" progId="Equation.DSMT4">
+                  <p:oleObj spid="_x0000_s1058" name="Equation" r:id="rId6" imgW="203200" imgH="330200" progId="Equation.DSMT4">
                     <p:embed/>
                   </p:oleObj>
                 </mc:Choice>
@@ -8698,7 +8698,7 @@
             <a:graphicData uri="http://schemas.openxmlformats.org/presentationml/2006/ole">
               <mc:AlternateContent xmlns:mc="http://schemas.openxmlformats.org/markup-compatibility/2006">
                 <mc:Choice xmlns:v="urn:schemas-microsoft-com:vml" Requires="v">
-                  <p:oleObj spid="_x0000_s1055" name="Equation" r:id="rId7" imgW="203200" imgH="330200" progId="Equation.DSMT4">
+                  <p:oleObj spid="_x0000_s1059" name="Equation" r:id="rId7" imgW="203200" imgH="330200" progId="Equation.DSMT4">
                     <p:embed/>
                   </p:oleObj>
                 </mc:Choice>
@@ -10371,11 +10371,7 @@
           <a:p>
             <a:r>
               <a:rPr lang="en-US" sz="2000" dirty="0" smtClean="0"/>
-              <a:t>door </a:t>
-            </a:r>
-            <a:r>
-              <a:rPr lang="en-US" sz="2000" dirty="0" smtClean="0"/>
-              <a:t>1</a:t>
+              <a:t>door 1</a:t>
             </a:r>
             <a:endParaRPr lang="en-US" sz="2000" dirty="0"/>
           </a:p>
@@ -10465,11 +10461,7 @@
           <a:p>
             <a:r>
               <a:rPr lang="en-US" sz="2000" dirty="0" smtClean="0"/>
-              <a:t>door </a:t>
-            </a:r>
-            <a:r>
-              <a:rPr lang="en-US" sz="2000" dirty="0" smtClean="0"/>
-              <a:t>1</a:t>
+              <a:t>door 1</a:t>
             </a:r>
             <a:endParaRPr lang="en-US" sz="2000" dirty="0"/>
           </a:p>
@@ -15486,7 +15478,7 @@
         <p:spPr>
           <a:xfrm>
             <a:off x="4495800" y="3048000"/>
-            <a:ext cx="4506161" cy="830997"/>
+            <a:ext cx="4518785" cy="830997"/>
           </a:xfrm>
           <a:prstGeom prst="rect">
             <a:avLst/>
@@ -15499,6 +15491,15 @@
           </a:bodyPr>
           <a:lstStyle/>
           <a:p>
+            <a:r>
+              <a:rPr lang="en-US" sz="4800" dirty="0" err="1" smtClean="0">
+                <a:solidFill>
+                  <a:srgbClr val="0000FF"/>
+                </a:solidFill>
+                <a:latin typeface="Comic Sans MS" pitchFamily="-128" charset="0"/>
+              </a:rPr>
+              <a:t>Pr</a:t>
+            </a:r>
             <a:r>
               <a:rPr lang="en-US" sz="4800" dirty="0" smtClean="0">
                 <a:solidFill>
@@ -15506,7 +15507,7 @@
                 </a:solidFill>
                 <a:latin typeface="Comic Sans MS" pitchFamily="-128" charset="0"/>
               </a:rPr>
-              <a:t>Pr{</a:t>
+              <a:t>[</a:t>
             </a:r>
             <a:r>
               <a:rPr lang="en-US" sz="4800" dirty="0" smtClean="0">
@@ -15536,13 +15537,13 @@
               <a:t>wins</a:t>
             </a:r>
             <a:r>
-              <a:rPr lang="en-US" sz="4800" dirty="0" smtClean="0">
+              <a:rPr lang="en-US" sz="4800" dirty="0">
                 <a:solidFill>
                   <a:srgbClr val="0000FF"/>
                 </a:solidFill>
                 <a:latin typeface="Comic Sans MS" pitchFamily="-128" charset="0"/>
               </a:rPr>
-              <a:t>}</a:t>
+              <a:t>]</a:t>
             </a:r>
             <a:r>
               <a:rPr lang="en-US" sz="4800" dirty="0" smtClean="0">
@@ -15568,7 +15569,7 @@
           <p:nvPr>
             <p:extLst>
               <p:ext uri="{D42A27DB-BD31-4B8C-83A1-F6EECF244321}">
-                <p14:modId xmlns:p14="http://schemas.microsoft.com/office/powerpoint/2010/main" val="1337925213"/>
+                <p14:modId xmlns:p14="http://schemas.microsoft.com/office/powerpoint/2010/main" val="167187418"/>
               </p:ext>
             </p:extLst>
           </p:nvPr>
@@ -15581,7 +15582,7 @@
           <a:graphicData uri="http://schemas.openxmlformats.org/presentationml/2006/ole">
             <mc:AlternateContent xmlns:mc="http://schemas.openxmlformats.org/markup-compatibility/2006">
               <mc:Choice xmlns:v="urn:schemas-microsoft-com:vml" Requires="v">
-                <p:oleObj spid="_x0000_s309257" name="Equation" r:id="rId4" imgW="609600" imgH="1079500" progId="Equation.DSMT4">
+                <p:oleObj spid="_x0000_s309259" name="Equation" r:id="rId4" imgW="609600" imgH="1079500" progId="Equation.DSMT4">
                   <p:embed/>
                 </p:oleObj>
               </mc:Choice>
@@ -16401,7 +16402,7 @@
           <a:graphicData uri="http://schemas.openxmlformats.org/presentationml/2006/ole">
             <mc:AlternateContent xmlns:mc="http://schemas.openxmlformats.org/markup-compatibility/2006">
               <mc:Choice xmlns:v="urn:schemas-microsoft-com:vml" Requires="v">
-                <p:oleObj spid="_x0000_s308320" name="Equation" r:id="rId4" imgW="291960" imgH="939600" progId="Equation.DSMT4">
+                <p:oleObj spid="_x0000_s308324" name="Equation" r:id="rId4" imgW="291960" imgH="939600" progId="Equation.DSMT4">
                   <p:embed/>
                 </p:oleObj>
               </mc:Choice>
@@ -16471,7 +16472,7 @@
           <a:graphicData uri="http://schemas.openxmlformats.org/presentationml/2006/ole">
             <mc:AlternateContent xmlns:mc="http://schemas.openxmlformats.org/markup-compatibility/2006">
               <mc:Choice xmlns:v="urn:schemas-microsoft-com:vml" Requires="v">
-                <p:oleObj spid="_x0000_s308321" name="Equation" r:id="rId6" imgW="291960" imgH="939600" progId="Equation.DSMT4">
+                <p:oleObj spid="_x0000_s308325" name="Equation" r:id="rId6" imgW="291960" imgH="939600" progId="Equation.DSMT4">
                   <p:embed/>
                 </p:oleObj>
               </mc:Choice>
@@ -16617,9 +16618,9 @@
         <p:grpSpPr>
           <a:xfrm>
             <a:off x="4343400" y="3200400"/>
-            <a:ext cx="4695516" cy="2438400"/>
+            <a:ext cx="4518785" cy="2438400"/>
             <a:chOff x="4343400" y="3200400"/>
-            <a:chExt cx="4695516" cy="2438400"/>
+            <a:chExt cx="4518785" cy="2438400"/>
           </a:xfrm>
         </p:grpSpPr>
         <p:sp>
@@ -16631,7 +16632,7 @@
           <p:spPr>
             <a:xfrm>
               <a:off x="4343400" y="3200400"/>
-              <a:ext cx="4695516" cy="830997"/>
+              <a:ext cx="4518785" cy="830997"/>
             </a:xfrm>
             <a:prstGeom prst="rect">
               <a:avLst/>
@@ -16645,13 +16646,22 @@
             <a:lstStyle/>
             <a:p>
               <a:r>
+                <a:rPr lang="en-US" sz="4800" dirty="0" err="1" smtClean="0">
+                  <a:solidFill>
+                    <a:srgbClr val="0000FF"/>
+                  </a:solidFill>
+                  <a:latin typeface="Comic Sans MS" pitchFamily="-128" charset="0"/>
+                </a:rPr>
+                <a:t>Pr</a:t>
+              </a:r>
+              <a:r>
                 <a:rPr lang="en-US" sz="4800" dirty="0" smtClean="0">
                   <a:solidFill>
                     <a:srgbClr val="0000FF"/>
                   </a:solidFill>
                   <a:latin typeface="Comic Sans MS" pitchFamily="-128" charset="0"/>
                 </a:rPr>
-                <a:t>Pr{</a:t>
+                <a:t>[</a:t>
               </a:r>
               <a:r>
                 <a:rPr lang="en-US" sz="4800" dirty="0" smtClean="0">
@@ -16687,7 +16697,7 @@
                   </a:solidFill>
                   <a:latin typeface="Comic Sans MS" pitchFamily="-128" charset="0"/>
                 </a:rPr>
-                <a:t>}</a:t>
+                <a:t>]</a:t>
               </a:r>
               <a:r>
                 <a:rPr lang="en-US" sz="4800" dirty="0" smtClean="0">
@@ -16726,7 +16736,7 @@
             <a:graphicData uri="http://schemas.openxmlformats.org/presentationml/2006/ole">
               <mc:AlternateContent xmlns:mc="http://schemas.openxmlformats.org/markup-compatibility/2006">
                 <mc:Choice xmlns:v="urn:schemas-microsoft-com:vml" Requires="v">
-                  <p:oleObj spid="_x0000_s308322" name="Equation" r:id="rId8" imgW="609480" imgH="939600" progId="Equation.DSMT4">
+                  <p:oleObj spid="_x0000_s308326" name="Equation" r:id="rId8" imgW="609480" imgH="939600" progId="Equation.DSMT4">
                     <p:embed/>
                   </p:oleObj>
                 </mc:Choice>
